--- a/slides.pptx
+++ b/slides.pptx
@@ -736,11 +736,11 @@
 </file>
 
 <file path=ppt/notesSlides/notesSlide1.xml><?xml version="1.0" encoding="utf-8"?>
-<p:notes xmlns:a="http://schemas.openxmlformats.org/drawingml/2006/main" xmlns:r="http://schemas.openxmlformats.org/officeDocument/2006/relationships" xmlns:p="http://schemas.openxmlformats.org/presentationml/2006/main" showMasterSp="0" showMasterPhAnim="0">
+<p:notes xmlns:a="http://schemas.openxmlformats.org/drawingml/2006/main" xmlns:r="http://schemas.openxmlformats.org/officeDocument/2006/relationships" xmlns:p="http://schemas.openxmlformats.org/presentationml/2006/main">
   <p:cSld>
     <p:spTree>
       <p:nvGrpSpPr>
-        <p:cNvPr id="1" name="Shape 120"/>
+        <p:cNvPr id="1" name=""/>
         <p:cNvGrpSpPr/>
         <p:nvPr/>
       </p:nvGrpSpPr>
@@ -754,12 +754,12 @@
       </p:grpSpPr>
       <p:sp>
         <p:nvSpPr>
-          <p:cNvPr id="121" name="Google Shape;121;p:notes"/>
+          <p:cNvPr id="2" name="Segnaposto immagine diapositiva 1"/>
           <p:cNvSpPr>
             <a:spLocks noGrp="1" noRot="1" noChangeAspect="1"/>
           </p:cNvSpPr>
           <p:nvPr>
-            <p:ph type="sldImg" idx="2"/>
+            <p:ph type="sldImg"/>
           </p:nvPr>
         </p:nvSpPr>
         <p:spPr>
@@ -767,74 +767,90 @@
             <a:off x="381000" y="685800"/>
             <a:ext cx="6096000" cy="3429000"/>
           </a:xfrm>
-          <a:custGeom>
-            <a:avLst/>
-            <a:gdLst/>
-            <a:ahLst/>
-            <a:cxnLst/>
-            <a:rect l="l" t="t" r="r" b="b"/>
-            <a:pathLst>
-              <a:path w="120000" h="120000" extrusionOk="0">
-                <a:moveTo>
-                  <a:pt x="0" y="0"/>
-                </a:moveTo>
-                <a:lnTo>
-                  <a:pt x="120000" y="0"/>
-                </a:lnTo>
-                <a:lnTo>
-                  <a:pt x="120000" y="120000"/>
-                </a:lnTo>
-                <a:lnTo>
-                  <a:pt x="0" y="120000"/>
-                </a:lnTo>
-                <a:close/>
-              </a:path>
-            </a:pathLst>
-          </a:custGeom>
-        </p:spPr>
-      </p:sp>
-      <p:sp>
-        <p:nvSpPr>
-          <p:cNvPr id="122" name="Google Shape;122;p:notes"/>
-          <p:cNvSpPr txBox="1">
+        </p:spPr>
+      </p:sp>
+      <p:sp>
+        <p:nvSpPr>
+          <p:cNvPr id="3" name="Segnaposto note 2"/>
+          <p:cNvSpPr>
             <a:spLocks noGrp="1"/>
           </p:cNvSpPr>
           <p:nvPr>
             <p:ph type="body" idx="1"/>
           </p:nvPr>
         </p:nvSpPr>
-        <p:spPr>
-          <a:xfrm>
-            <a:off x="685800" y="4343400"/>
-            <a:ext cx="5486400" cy="4114800"/>
-          </a:xfrm>
-          <a:prstGeom prst="rect">
-            <a:avLst/>
-          </a:prstGeom>
-        </p:spPr>
+        <p:spPr/>
         <p:txBody>
-          <a:bodyPr spcFirstLastPara="1" wrap="square" lIns="91425" tIns="91425" rIns="91425" bIns="91425" anchor="t" anchorCtr="0">
-            <a:noAutofit/>
-          </a:bodyPr>
+          <a:bodyPr/>
           <a:lstStyle/>
           <a:p>
-            <a:pPr marL="0" lvl="0" indent="0" algn="l" rtl="0">
-              <a:spcBef>
-                <a:spcPts val="0"/>
-              </a:spcBef>
-              <a:spcAft>
-                <a:spcPts val="0"/>
-              </a:spcAft>
-              <a:buNone/>
-            </a:pPr>
-            <a:endParaRPr dirty="0"/>
+            <a:r>
+              <a:rPr lang="it-IT" dirty="0"/>
+              <a:t>Ciao ragazzi, oggi parleremo di reverse </a:t>
+            </a:r>
+            <a:r>
+              <a:rPr lang="it-IT" dirty="0" err="1"/>
+              <a:t>engineering</a:t>
+            </a:r>
+            <a:r>
+              <a:rPr lang="it-IT" dirty="0"/>
+              <a:t> più precisamente software reverse </a:t>
+            </a:r>
+            <a:r>
+              <a:rPr lang="it-IT" dirty="0" err="1"/>
+              <a:t>engineering</a:t>
+            </a:r>
+            <a:r>
+              <a:rPr lang="it-IT" dirty="0"/>
+              <a:t>.</a:t>
+            </a:r>
+          </a:p>
+          <a:p>
+            <a:r>
+              <a:rPr lang="it-IT" dirty="0"/>
+              <a:t>Prima di partire però mi presento brevemente. </a:t>
+            </a:r>
+          </a:p>
+          <a:p>
+            <a:r>
+              <a:rPr lang="it-IT" dirty="0"/>
+              <a:t>mi chiamo Nicola Vella</a:t>
+            </a:r>
+          </a:p>
+          <a:p>
+            <a:r>
+              <a:rPr lang="it-IT" dirty="0"/>
+              <a:t>Non sono un professore, ma frequento ancora la triennale di Ingegneria Informatica all'università di </a:t>
+            </a:r>
+            <a:r>
+              <a:rPr lang="it-IT" dirty="0" err="1"/>
+              <a:t>pisa</a:t>
+            </a:r>
+            <a:endParaRPr lang="it-IT" dirty="0"/>
+          </a:p>
+          <a:p>
+            <a:r>
+              <a:rPr lang="it-IT" dirty="0"/>
+              <a:t>Nel frattempo lavoro come </a:t>
+            </a:r>
+            <a:r>
+              <a:rPr lang="it-IT" dirty="0" err="1"/>
+              <a:t>penetration</a:t>
+            </a:r>
+            <a:r>
+              <a:rPr lang="it-IT" dirty="0"/>
+              <a:t> tester per un'azienda di nome CYS4</a:t>
+            </a:r>
+          </a:p>
+          <a:p>
+            <a:endParaRPr lang="it-IT" dirty="0"/>
           </a:p>
         </p:txBody>
       </p:sp>
     </p:spTree>
     <p:extLst>
       <p:ext uri="{BB962C8B-B14F-4D97-AF65-F5344CB8AC3E}">
-        <p14:creationId xmlns:p14="http://schemas.microsoft.com/office/powerpoint/2010/main" val="303859812"/>
+        <p14:creationId xmlns:p14="http://schemas.microsoft.com/office/powerpoint/2010/main" val="78984800"/>
       </p:ext>
     </p:extLst>
   </p:cSld>
@@ -943,7 +959,7 @@
     </p:spTree>
     <p:extLst>
       <p:ext uri="{BB962C8B-B14F-4D97-AF65-F5344CB8AC3E}">
-        <p14:creationId xmlns:p14="http://schemas.microsoft.com/office/powerpoint/2010/main" val="4277418508"/>
+        <p14:creationId xmlns:p14="http://schemas.microsoft.com/office/powerpoint/2010/main" val="3515030248"/>
       </p:ext>
     </p:extLst>
   </p:cSld>
@@ -1052,7 +1068,7 @@
     </p:spTree>
     <p:extLst>
       <p:ext uri="{BB962C8B-B14F-4D97-AF65-F5344CB8AC3E}">
-        <p14:creationId xmlns:p14="http://schemas.microsoft.com/office/powerpoint/2010/main" val="3779558835"/>
+        <p14:creationId xmlns:p14="http://schemas.microsoft.com/office/powerpoint/2010/main" val="4277418508"/>
       </p:ext>
     </p:extLst>
   </p:cSld>
@@ -1161,7 +1177,7 @@
     </p:spTree>
     <p:extLst>
       <p:ext uri="{BB962C8B-B14F-4D97-AF65-F5344CB8AC3E}">
-        <p14:creationId xmlns:p14="http://schemas.microsoft.com/office/powerpoint/2010/main" val="3571789919"/>
+        <p14:creationId xmlns:p14="http://schemas.microsoft.com/office/powerpoint/2010/main" val="3779558835"/>
       </p:ext>
     </p:extLst>
   </p:cSld>
@@ -1270,7 +1286,7 @@
     </p:spTree>
     <p:extLst>
       <p:ext uri="{BB962C8B-B14F-4D97-AF65-F5344CB8AC3E}">
-        <p14:creationId xmlns:p14="http://schemas.microsoft.com/office/powerpoint/2010/main" val="1893069529"/>
+        <p14:creationId xmlns:p14="http://schemas.microsoft.com/office/powerpoint/2010/main" val="3571789919"/>
       </p:ext>
     </p:extLst>
   </p:cSld>
@@ -1379,6 +1395,115 @@
     </p:spTree>
     <p:extLst>
       <p:ext uri="{BB962C8B-B14F-4D97-AF65-F5344CB8AC3E}">
+        <p14:creationId xmlns:p14="http://schemas.microsoft.com/office/powerpoint/2010/main" val="1893069529"/>
+      </p:ext>
+    </p:extLst>
+  </p:cSld>
+  <p:clrMapOvr>
+    <a:masterClrMapping/>
+  </p:clrMapOvr>
+</p:notes>
+</file>
+
+<file path=ppt/notesSlides/notesSlide15.xml><?xml version="1.0" encoding="utf-8"?>
+<p:notes xmlns:a="http://schemas.openxmlformats.org/drawingml/2006/main" xmlns:r="http://schemas.openxmlformats.org/officeDocument/2006/relationships" xmlns:p="http://schemas.openxmlformats.org/presentationml/2006/main" showMasterSp="0" showMasterPhAnim="0">
+  <p:cSld>
+    <p:spTree>
+      <p:nvGrpSpPr>
+        <p:cNvPr id="1" name="Shape 120"/>
+        <p:cNvGrpSpPr/>
+        <p:nvPr/>
+      </p:nvGrpSpPr>
+      <p:grpSpPr>
+        <a:xfrm>
+          <a:off x="0" y="0"/>
+          <a:ext cx="0" cy="0"/>
+          <a:chOff x="0" y="0"/>
+          <a:chExt cx="0" cy="0"/>
+        </a:xfrm>
+      </p:grpSpPr>
+      <p:sp>
+        <p:nvSpPr>
+          <p:cNvPr id="121" name="Google Shape;121;p:notes"/>
+          <p:cNvSpPr>
+            <a:spLocks noGrp="1" noRot="1" noChangeAspect="1"/>
+          </p:cNvSpPr>
+          <p:nvPr>
+            <p:ph type="sldImg" idx="2"/>
+          </p:nvPr>
+        </p:nvSpPr>
+        <p:spPr>
+          <a:xfrm>
+            <a:off x="381000" y="685800"/>
+            <a:ext cx="6096000" cy="3429000"/>
+          </a:xfrm>
+          <a:custGeom>
+            <a:avLst/>
+            <a:gdLst/>
+            <a:ahLst/>
+            <a:cxnLst/>
+            <a:rect l="l" t="t" r="r" b="b"/>
+            <a:pathLst>
+              <a:path w="120000" h="120000" extrusionOk="0">
+                <a:moveTo>
+                  <a:pt x="0" y="0"/>
+                </a:moveTo>
+                <a:lnTo>
+                  <a:pt x="120000" y="0"/>
+                </a:lnTo>
+                <a:lnTo>
+                  <a:pt x="120000" y="120000"/>
+                </a:lnTo>
+                <a:lnTo>
+                  <a:pt x="0" y="120000"/>
+                </a:lnTo>
+                <a:close/>
+              </a:path>
+            </a:pathLst>
+          </a:custGeom>
+        </p:spPr>
+      </p:sp>
+      <p:sp>
+        <p:nvSpPr>
+          <p:cNvPr id="122" name="Google Shape;122;p:notes"/>
+          <p:cNvSpPr txBox="1">
+            <a:spLocks noGrp="1"/>
+          </p:cNvSpPr>
+          <p:nvPr>
+            <p:ph type="body" idx="1"/>
+          </p:nvPr>
+        </p:nvSpPr>
+        <p:spPr>
+          <a:xfrm>
+            <a:off x="685800" y="4343400"/>
+            <a:ext cx="5486400" cy="4114800"/>
+          </a:xfrm>
+          <a:prstGeom prst="rect">
+            <a:avLst/>
+          </a:prstGeom>
+        </p:spPr>
+        <p:txBody>
+          <a:bodyPr spcFirstLastPara="1" wrap="square" lIns="91425" tIns="91425" rIns="91425" bIns="91425" anchor="t" anchorCtr="0">
+            <a:noAutofit/>
+          </a:bodyPr>
+          <a:lstStyle/>
+          <a:p>
+            <a:pPr marL="0" lvl="0" indent="0" algn="l" rtl="0">
+              <a:spcBef>
+                <a:spcPts val="0"/>
+              </a:spcBef>
+              <a:spcAft>
+                <a:spcPts val="0"/>
+              </a:spcAft>
+              <a:buNone/>
+            </a:pPr>
+            <a:endParaRPr/>
+          </a:p>
+        </p:txBody>
+      </p:sp>
+    </p:spTree>
+    <p:extLst>
+      <p:ext uri="{BB962C8B-B14F-4D97-AF65-F5344CB8AC3E}">
         <p14:creationId xmlns:p14="http://schemas.microsoft.com/office/powerpoint/2010/main" val="1855194139"/>
       </p:ext>
     </p:extLst>
@@ -1389,7 +1514,7 @@
 </p:notes>
 </file>
 
-<file path=ppt/notesSlides/notesSlide15.xml><?xml version="1.0" encoding="utf-8"?>
+<file path=ppt/notesSlides/notesSlide16.xml><?xml version="1.0" encoding="utf-8"?>
 <p:notes xmlns:a="http://schemas.openxmlformats.org/drawingml/2006/main" xmlns:r="http://schemas.openxmlformats.org/officeDocument/2006/relationships" xmlns:p="http://schemas.openxmlformats.org/presentationml/2006/main" showMasterSp="0" showMasterPhAnim="0">
   <p:cSld>
     <p:spTree>
@@ -1590,11 +1715,43 @@
               </a:spcAft>
               <a:buNone/>
             </a:pPr>
-            <a:endParaRPr/>
+            <a:r>
+              <a:rPr lang="it-IT" dirty="0"/>
+              <a:t>Cosa vedremo oggi? </a:t>
+            </a:r>
+          </a:p>
+          <a:p>
+            <a:pPr marL="0" lvl="0" indent="0" algn="l" rtl="0">
+              <a:spcBef>
+                <a:spcPts val="0"/>
+              </a:spcBef>
+              <a:spcAft>
+                <a:spcPts val="0"/>
+              </a:spcAft>
+              <a:buNone/>
+            </a:pPr>
+            <a:r>
+              <a:rPr lang="it-IT" dirty="0"/>
+              <a:t>Come potete leggere da questa slide oggi parleremo di software reverse </a:t>
+            </a:r>
+            <a:r>
+              <a:rPr lang="it-IT" dirty="0" err="1"/>
+              <a:t>engineering</a:t>
+            </a:r>
+            <a:r>
+              <a:rPr lang="it-IT" dirty="0"/>
+              <a:t>, ovvero come capire cosa fa un programma senza essere a disposizione del codice sorgente</a:t>
+            </a:r>
+            <a:endParaRPr dirty="0"/>
           </a:p>
         </p:txBody>
       </p:sp>
     </p:spTree>
+    <p:extLst>
+      <p:ext uri="{BB962C8B-B14F-4D97-AF65-F5344CB8AC3E}">
+        <p14:creationId xmlns:p14="http://schemas.microsoft.com/office/powerpoint/2010/main" val="303859812"/>
+      </p:ext>
+    </p:extLst>
   </p:cSld>
   <p:clrMapOvr>
     <a:masterClrMapping/>
@@ -1694,16 +1851,73 @@
               </a:spcAft>
               <a:buNone/>
             </a:pPr>
-            <a:endParaRPr/>
+            <a:r>
+              <a:rPr lang="it-IT" dirty="0"/>
+              <a:t>La maggior parte del software che utilizziamo è </a:t>
+            </a:r>
+            <a:r>
+              <a:rPr lang="it-IT" dirty="0" err="1"/>
+              <a:t>closed</a:t>
+            </a:r>
+            <a:r>
+              <a:rPr lang="it-IT" dirty="0"/>
+              <a:t> </a:t>
+            </a:r>
+            <a:r>
+              <a:rPr lang="it-IT" dirty="0" err="1"/>
+              <a:t>souce</a:t>
+            </a:r>
+            <a:endParaRPr lang="it-IT" dirty="0"/>
+          </a:p>
+          <a:p>
+            <a:pPr marL="0" lvl="0" indent="0" algn="l" rtl="0">
+              <a:spcBef>
+                <a:spcPts val="0"/>
+              </a:spcBef>
+              <a:spcAft>
+                <a:spcPts val="0"/>
+              </a:spcAft>
+              <a:buNone/>
+            </a:pPr>
+            <a:r>
+              <a:rPr lang="it-IT" dirty="0"/>
+              <a:t>Per quale motivo dovremmo voler analizzare dei programmi di cui non abbiamo il codice sorgente? </a:t>
+            </a:r>
+          </a:p>
+          <a:p>
+            <a:pPr marL="0" lvl="0" indent="0" algn="l" rtl="0">
+              <a:spcBef>
+                <a:spcPts val="0"/>
+              </a:spcBef>
+              <a:spcAft>
+                <a:spcPts val="0"/>
+              </a:spcAft>
+              <a:buNone/>
+            </a:pPr>
+            <a:r>
+              <a:rPr lang="it-IT" dirty="0"/>
+              <a:t>Non voglio analizzare il codice che scrivo io stesso, direte voi, figurati se voglio analizzare del codice scritto da altri di cui per giunta ho a disposizione solamente il binario compilato!</a:t>
+            </a:r>
+          </a:p>
+          <a:p>
+            <a:pPr marL="0" lvl="0" indent="0" algn="l" rtl="0">
+              <a:spcBef>
+                <a:spcPts val="0"/>
+              </a:spcBef>
+              <a:spcAft>
+                <a:spcPts val="0"/>
+              </a:spcAft>
+              <a:buNone/>
+            </a:pPr>
+            <a:r>
+              <a:rPr lang="it-IT" dirty="0"/>
+              <a:t>In realtà ci sono diverse motivazioni che potrebbero portarvi a fare ciò, spero di potervi fare interessare all'argomento elencandovene qualcuna</a:t>
+            </a:r>
+            <a:endParaRPr dirty="0"/>
           </a:p>
         </p:txBody>
       </p:sp>
     </p:spTree>
-    <p:extLst>
-      <p:ext uri="{BB962C8B-B14F-4D97-AF65-F5344CB8AC3E}">
-        <p14:creationId xmlns:p14="http://schemas.microsoft.com/office/powerpoint/2010/main" val="1592831329"/>
-      </p:ext>
-    </p:extLst>
   </p:cSld>
   <p:clrMapOvr>
     <a:masterClrMapping/>
@@ -1803,14 +2017,262 @@
               </a:spcAft>
               <a:buNone/>
             </a:pPr>
-            <a:endParaRPr/>
+            <a:r>
+              <a:rPr lang="it-IT" dirty="0"/>
+              <a:t>Sicuramente viene difficile inviare una </a:t>
+            </a:r>
+            <a:r>
+              <a:rPr lang="it-IT" dirty="0" err="1"/>
+              <a:t>gpl</a:t>
+            </a:r>
+            <a:r>
+              <a:rPr lang="it-IT" dirty="0"/>
+              <a:t> </a:t>
+            </a:r>
+            <a:r>
+              <a:rPr lang="it-IT" dirty="0" err="1"/>
+              <a:t>compliant</a:t>
+            </a:r>
+            <a:r>
+              <a:rPr lang="it-IT" dirty="0"/>
+              <a:t> a chi scrive </a:t>
+            </a:r>
+            <a:r>
+              <a:rPr lang="it-IT" dirty="0" err="1"/>
+              <a:t>malware</a:t>
+            </a:r>
+            <a:endParaRPr lang="it-IT" dirty="0"/>
+          </a:p>
+          <a:p>
+            <a:pPr marL="0" lvl="0" indent="0" algn="l" rtl="0">
+              <a:spcBef>
+                <a:spcPts val="0"/>
+              </a:spcBef>
+              <a:spcAft>
+                <a:spcPts val="0"/>
+              </a:spcAft>
+              <a:buNone/>
+            </a:pPr>
+            <a:endParaRPr lang="it-IT" dirty="0"/>
+          </a:p>
+          <a:p>
+            <a:pPr marL="0" lvl="0" indent="0" algn="l" rtl="0">
+              <a:spcBef>
+                <a:spcPts val="0"/>
+              </a:spcBef>
+              <a:spcAft>
+                <a:spcPts val="0"/>
+              </a:spcAft>
+              <a:buNone/>
+            </a:pPr>
+            <a:r>
+              <a:rPr lang="it-IT" dirty="0"/>
+              <a:t>Il vostro telefono è stato </a:t>
+            </a:r>
+            <a:r>
+              <a:rPr lang="it-IT" dirty="0" err="1"/>
+              <a:t>hackerato</a:t>
+            </a:r>
+            <a:r>
+              <a:rPr lang="it-IT" dirty="0"/>
+              <a:t> attraverso la sola ricezione di un messaggio, come fate ad analizzare una cosa del genere? Dovete essere </a:t>
+            </a:r>
+            <a:r>
+              <a:rPr lang="it-IT" dirty="0" err="1"/>
+              <a:t>skillati</a:t>
+            </a:r>
+            <a:r>
+              <a:rPr lang="it-IT" dirty="0"/>
+              <a:t> in reverse </a:t>
+            </a:r>
+            <a:r>
+              <a:rPr lang="it-IT" dirty="0" err="1"/>
+              <a:t>engineering</a:t>
+            </a:r>
+            <a:endParaRPr lang="it-IT" dirty="0"/>
+          </a:p>
+          <a:p>
+            <a:pPr marL="0" lvl="0" indent="0" algn="l" rtl="0">
+              <a:spcBef>
+                <a:spcPts val="0"/>
+              </a:spcBef>
+              <a:spcAft>
+                <a:spcPts val="0"/>
+              </a:spcAft>
+              <a:buNone/>
+            </a:pPr>
+            <a:endParaRPr lang="it-IT" dirty="0"/>
+          </a:p>
+          <a:p>
+            <a:pPr marL="0" lvl="0" indent="0" algn="l" rtl="0">
+              <a:spcBef>
+                <a:spcPts val="0"/>
+              </a:spcBef>
+              <a:spcAft>
+                <a:spcPts val="0"/>
+              </a:spcAft>
+              <a:buNone/>
+            </a:pPr>
+            <a:r>
+              <a:rPr lang="it-IT" dirty="0"/>
+              <a:t>Compatibility Volete avviare programmi scritti per </a:t>
+            </a:r>
+            <a:r>
+              <a:rPr lang="it-IT" dirty="0" err="1"/>
+              <a:t>windows</a:t>
+            </a:r>
+            <a:r>
+              <a:rPr lang="it-IT" dirty="0"/>
+              <a:t> su </a:t>
+            </a:r>
+            <a:r>
+              <a:rPr lang="it-IT" dirty="0" err="1"/>
+              <a:t>linux</a:t>
+            </a:r>
+            <a:r>
+              <a:rPr lang="it-IT" dirty="0"/>
+              <a:t>, come fate? es. WINE</a:t>
+            </a:r>
+          </a:p>
+          <a:p>
+            <a:pPr marL="0" lvl="0" indent="0" algn="l" rtl="0">
+              <a:spcBef>
+                <a:spcPts val="0"/>
+              </a:spcBef>
+              <a:spcAft>
+                <a:spcPts val="0"/>
+              </a:spcAft>
+              <a:buNone/>
+            </a:pPr>
+            <a:endParaRPr lang="it-IT" dirty="0"/>
+          </a:p>
+          <a:p>
+            <a:pPr marL="0" lvl="0" indent="0" algn="l" rtl="0">
+              <a:spcBef>
+                <a:spcPts val="0"/>
+              </a:spcBef>
+              <a:spcAft>
+                <a:spcPts val="0"/>
+              </a:spcAft>
+              <a:buNone/>
+            </a:pPr>
+            <a:r>
+              <a:rPr lang="it-IT" dirty="0"/>
+              <a:t>Security </a:t>
+            </a:r>
+            <a:r>
+              <a:rPr lang="it-IT" dirty="0" err="1"/>
+              <a:t>Assessment</a:t>
+            </a:r>
+            <a:r>
+              <a:rPr lang="it-IT" dirty="0"/>
+              <a:t> e </a:t>
+            </a:r>
+            <a:r>
+              <a:rPr lang="it-IT" dirty="0" err="1"/>
+              <a:t>Vulnerability</a:t>
+            </a:r>
+            <a:r>
+              <a:rPr lang="it-IT" dirty="0"/>
+              <a:t> </a:t>
+            </a:r>
+            <a:r>
+              <a:rPr lang="it-IT" dirty="0" err="1"/>
+              <a:t>Research</a:t>
+            </a:r>
+            <a:r>
+              <a:rPr lang="it-IT" dirty="0"/>
+              <a:t>: </a:t>
+            </a:r>
+          </a:p>
+          <a:p>
+            <a:pPr marL="0" lvl="0" indent="0" algn="l" rtl="0">
+              <a:spcBef>
+                <a:spcPts val="0"/>
+              </a:spcBef>
+              <a:spcAft>
+                <a:spcPts val="0"/>
+              </a:spcAft>
+              <a:buNone/>
+            </a:pPr>
+            <a:r>
+              <a:rPr lang="it-IT" dirty="0"/>
+              <a:t>Comprate delle telecamere di sorveglianza dalla china, come fate ad essere sicuri che sia sicuro inserirle in apparati critici?</a:t>
+            </a:r>
+          </a:p>
+          <a:p>
+            <a:pPr marL="0" lvl="0" indent="0" algn="l" rtl="0">
+              <a:spcBef>
+                <a:spcPts val="0"/>
+              </a:spcBef>
+              <a:spcAft>
+                <a:spcPts val="0"/>
+              </a:spcAft>
+              <a:buNone/>
+            </a:pPr>
+            <a:endParaRPr lang="it-IT" dirty="0"/>
+          </a:p>
+          <a:p>
+            <a:pPr marL="0" lvl="0" indent="0" algn="l" rtl="0">
+              <a:spcBef>
+                <a:spcPts val="0"/>
+              </a:spcBef>
+              <a:spcAft>
+                <a:spcPts val="0"/>
+              </a:spcAft>
+              <a:buNone/>
+            </a:pPr>
+            <a:r>
+              <a:rPr lang="it-IT" dirty="0"/>
+              <a:t>Come fate a </a:t>
+            </a:r>
+            <a:r>
+              <a:rPr lang="it-IT" dirty="0" err="1"/>
+              <a:t>scriptare</a:t>
+            </a:r>
+            <a:r>
+              <a:rPr lang="it-IT" dirty="0"/>
+              <a:t> l'</a:t>
+            </a:r>
+            <a:r>
+              <a:rPr lang="it-IT" dirty="0" err="1"/>
+              <a:t>aimbot</a:t>
+            </a:r>
+            <a:r>
+              <a:rPr lang="it-IT" dirty="0"/>
+              <a:t> nel vostro gioco preferito?</a:t>
+            </a:r>
+          </a:p>
+          <a:p>
+            <a:pPr marL="0" lvl="0" indent="0" algn="l" rtl="0">
+              <a:spcBef>
+                <a:spcPts val="0"/>
+              </a:spcBef>
+              <a:spcAft>
+                <a:spcPts val="0"/>
+              </a:spcAft>
+              <a:buNone/>
+            </a:pPr>
+            <a:endParaRPr lang="it-IT" dirty="0"/>
+          </a:p>
+          <a:p>
+            <a:pPr marL="0" lvl="0" indent="0" algn="l" rtl="0">
+              <a:spcBef>
+                <a:spcPts val="0"/>
+              </a:spcBef>
+              <a:spcAft>
+                <a:spcPts val="0"/>
+              </a:spcAft>
+              <a:buNone/>
+            </a:pPr>
+            <a:endParaRPr dirty="0"/>
           </a:p>
         </p:txBody>
       </p:sp>
     </p:spTree>
     <p:extLst>
       <p:ext uri="{BB962C8B-B14F-4D97-AF65-F5344CB8AC3E}">
-        <p14:creationId xmlns:p14="http://schemas.microsoft.com/office/powerpoint/2010/main" val="3610228484"/>
+        <p14:creationId xmlns:p14="http://schemas.microsoft.com/office/powerpoint/2010/main" val="1592831329"/>
       </p:ext>
     </p:extLst>
   </p:cSld>
@@ -1912,14 +2374,14 @@
               </a:spcAft>
               <a:buNone/>
             </a:pPr>
-            <a:endParaRPr/>
+            <a:endParaRPr dirty="0"/>
           </a:p>
         </p:txBody>
       </p:sp>
     </p:spTree>
     <p:extLst>
       <p:ext uri="{BB962C8B-B14F-4D97-AF65-F5344CB8AC3E}">
-        <p14:creationId xmlns:p14="http://schemas.microsoft.com/office/powerpoint/2010/main" val="1013241463"/>
+        <p14:creationId xmlns:p14="http://schemas.microsoft.com/office/powerpoint/2010/main" val="3610228484"/>
       </p:ext>
     </p:extLst>
   </p:cSld>
@@ -2028,7 +2490,7 @@
     </p:spTree>
     <p:extLst>
       <p:ext uri="{BB962C8B-B14F-4D97-AF65-F5344CB8AC3E}">
-        <p14:creationId xmlns:p14="http://schemas.microsoft.com/office/powerpoint/2010/main" val="2415853394"/>
+        <p14:creationId xmlns:p14="http://schemas.microsoft.com/office/powerpoint/2010/main" val="1013241463"/>
       </p:ext>
     </p:extLst>
   </p:cSld>
@@ -2137,7 +2599,7 @@
     </p:spTree>
     <p:extLst>
       <p:ext uri="{BB962C8B-B14F-4D97-AF65-F5344CB8AC3E}">
-        <p14:creationId xmlns:p14="http://schemas.microsoft.com/office/powerpoint/2010/main" val="2963731351"/>
+        <p14:creationId xmlns:p14="http://schemas.microsoft.com/office/powerpoint/2010/main" val="2415853394"/>
       </p:ext>
     </p:extLst>
   </p:cSld>
@@ -2246,7 +2708,7 @@
     </p:spTree>
     <p:extLst>
       <p:ext uri="{BB962C8B-B14F-4D97-AF65-F5344CB8AC3E}">
-        <p14:creationId xmlns:p14="http://schemas.microsoft.com/office/powerpoint/2010/main" val="539509145"/>
+        <p14:creationId xmlns:p14="http://schemas.microsoft.com/office/powerpoint/2010/main" val="2963731351"/>
       </p:ext>
     </p:extLst>
   </p:cSld>
@@ -2355,7 +2817,7 @@
     </p:spTree>
     <p:extLst>
       <p:ext uri="{BB962C8B-B14F-4D97-AF65-F5344CB8AC3E}">
-        <p14:creationId xmlns:p14="http://schemas.microsoft.com/office/powerpoint/2010/main" val="3515030248"/>
+        <p14:creationId xmlns:p14="http://schemas.microsoft.com/office/powerpoint/2010/main" val="539509145"/>
       </p:ext>
     </p:extLst>
   </p:cSld>
@@ -5853,7 +6315,7 @@
                 <a:latin typeface="Titillium Web" pitchFamily="2" charset="77"/>
                 <a:cs typeface="Calibri" panose="020F0502020204030204" pitchFamily="34" charset="0"/>
               </a:rPr>
-              <a:t>Mettete il focus sul come vengono utilizzati i dati dal codice, la maggior parte delle volte potrete permettervi di ignorare il contorno e capire ugualmente cosa sta succedendo.</a:t>
+              <a:t>Ponete particolare attenzione sul come vengono utilizzati i dati dal codice, la maggior parte delle volte potrete permettervi di ignorare il contorno e capire ugualmente cosa sta succedendo.</a:t>
             </a:r>
           </a:p>
         </p:txBody>
